--- a/healthcare dashboard.pptx
+++ b/healthcare dashboard.pptx
@@ -310,7 +310,7 @@
             <a:fld id="{1D8BD707-D9CF-40AE-B4C6-C98DA3205C09}" type="datetimeFigureOut">
               <a:rPr lang="en-US" smtClean="0"/>
               <a:pPr/>
-              <a:t>1/31/2025</a:t>
+              <a:t>2/11/2025</a:t>
             </a:fld>
             <a:endParaRPr lang="en-US"/>
           </a:p>
@@ -477,7 +477,7 @@
             <a:fld id="{1D8BD707-D9CF-40AE-B4C6-C98DA3205C09}" type="datetimeFigureOut">
               <a:rPr lang="en-US" smtClean="0"/>
               <a:pPr/>
-              <a:t>1/31/2025</a:t>
+              <a:t>2/11/2025</a:t>
             </a:fld>
             <a:endParaRPr lang="en-US"/>
           </a:p>
@@ -654,7 +654,7 @@
             <a:fld id="{1D8BD707-D9CF-40AE-B4C6-C98DA3205C09}" type="datetimeFigureOut">
               <a:rPr lang="en-US" smtClean="0"/>
               <a:pPr/>
-              <a:t>1/31/2025</a:t>
+              <a:t>2/11/2025</a:t>
             </a:fld>
             <a:endParaRPr lang="en-US"/>
           </a:p>
@@ -821,7 +821,7 @@
             <a:fld id="{1D8BD707-D9CF-40AE-B4C6-C98DA3205C09}" type="datetimeFigureOut">
               <a:rPr lang="en-US" smtClean="0"/>
               <a:pPr/>
-              <a:t>1/31/2025</a:t>
+              <a:t>2/11/2025</a:t>
             </a:fld>
             <a:endParaRPr lang="en-US"/>
           </a:p>
@@ -1064,7 +1064,7 @@
             <a:fld id="{1D8BD707-D9CF-40AE-B4C6-C98DA3205C09}" type="datetimeFigureOut">
               <a:rPr lang="en-US" smtClean="0"/>
               <a:pPr/>
-              <a:t>1/31/2025</a:t>
+              <a:t>2/11/2025</a:t>
             </a:fld>
             <a:endParaRPr lang="en-US"/>
           </a:p>
@@ -1349,7 +1349,7 @@
             <a:fld id="{1D8BD707-D9CF-40AE-B4C6-C98DA3205C09}" type="datetimeFigureOut">
               <a:rPr lang="en-US" smtClean="0"/>
               <a:pPr/>
-              <a:t>1/31/2025</a:t>
+              <a:t>2/11/2025</a:t>
             </a:fld>
             <a:endParaRPr lang="en-US"/>
           </a:p>
@@ -1768,7 +1768,7 @@
             <a:fld id="{1D8BD707-D9CF-40AE-B4C6-C98DA3205C09}" type="datetimeFigureOut">
               <a:rPr lang="en-US" smtClean="0"/>
               <a:pPr/>
-              <a:t>1/31/2025</a:t>
+              <a:t>2/11/2025</a:t>
             </a:fld>
             <a:endParaRPr lang="en-US"/>
           </a:p>
@@ -1883,7 +1883,7 @@
             <a:fld id="{1D8BD707-D9CF-40AE-B4C6-C98DA3205C09}" type="datetimeFigureOut">
               <a:rPr lang="en-US" smtClean="0"/>
               <a:pPr/>
-              <a:t>1/31/2025</a:t>
+              <a:t>2/11/2025</a:t>
             </a:fld>
             <a:endParaRPr lang="en-US"/>
           </a:p>
@@ -1975,7 +1975,7 @@
             <a:fld id="{1D8BD707-D9CF-40AE-B4C6-C98DA3205C09}" type="datetimeFigureOut">
               <a:rPr lang="en-US" smtClean="0"/>
               <a:pPr/>
-              <a:t>1/31/2025</a:t>
+              <a:t>2/11/2025</a:t>
             </a:fld>
             <a:endParaRPr lang="en-US"/>
           </a:p>
@@ -2249,7 +2249,7 @@
             <a:fld id="{1D8BD707-D9CF-40AE-B4C6-C98DA3205C09}" type="datetimeFigureOut">
               <a:rPr lang="en-US" smtClean="0"/>
               <a:pPr/>
-              <a:t>1/31/2025</a:t>
+              <a:t>2/11/2025</a:t>
             </a:fld>
             <a:endParaRPr lang="en-US"/>
           </a:p>
@@ -2499,7 +2499,7 @@
             <a:fld id="{1D8BD707-D9CF-40AE-B4C6-C98DA3205C09}" type="datetimeFigureOut">
               <a:rPr lang="en-US" smtClean="0"/>
               <a:pPr/>
-              <a:t>1/31/2025</a:t>
+              <a:t>2/11/2025</a:t>
             </a:fld>
             <a:endParaRPr lang="en-US"/>
           </a:p>
@@ -2709,7 +2709,7 @@
             <a:fld id="{1D8BD707-D9CF-40AE-B4C6-C98DA3205C09}" type="datetimeFigureOut">
               <a:rPr lang="en-US" smtClean="0"/>
               <a:pPr/>
-              <a:t>1/31/2025</a:t>
+              <a:t>2/11/2025</a:t>
             </a:fld>
             <a:endParaRPr lang="en-US"/>
           </a:p>
@@ -3090,35 +3090,21 @@
             <p:ph type="ctrTitle"/>
           </p:nvPr>
         </p:nvSpPr>
-        <p:spPr/>
+        <p:spPr>
+          <a:xfrm>
+            <a:off x="685800" y="2130425"/>
+            <a:ext cx="7391400" cy="3203575"/>
+          </a:xfrm>
+        </p:spPr>
         <p:txBody>
           <a:bodyPr/>
           <a:lstStyle/>
           <a:p>
             <a:r>
               <a:rPr lang="en-US" b="1" dirty="0" smtClean="0"/>
-              <a:t>Healthcare Data Dashboard Overview</a:t>
+              <a:t>Healthcare Data Dashboard </a:t>
             </a:r>
             <a:endParaRPr lang="en-US" b="1" dirty="0"/>
-          </a:p>
-        </p:txBody>
-      </p:sp>
-      <p:sp>
-        <p:nvSpPr>
-          <p:cNvPr id="3" name="Subtitle 2"/>
-          <p:cNvSpPr>
-            <a:spLocks noGrp="1"/>
-          </p:cNvSpPr>
-          <p:nvPr>
-            <p:ph type="subTitle" idx="1"/>
-          </p:nvPr>
-        </p:nvSpPr>
-        <p:spPr/>
-        <p:txBody>
-          <a:bodyPr/>
-          <a:lstStyle/>
-          <a:p>
-            <a:endParaRPr lang="en-US" dirty="0"/>
           </a:p>
         </p:txBody>
       </p:sp>
@@ -4211,15 +4197,7 @@
           <a:p>
             <a:r>
               <a:rPr lang="en-US" dirty="0" smtClean="0"/>
-              <a:t>In conclusion, these </a:t>
-            </a:r>
-            <a:r>
-              <a:rPr lang="en-US" dirty="0" smtClean="0"/>
-              <a:t>dataset </a:t>
-            </a:r>
-            <a:r>
-              <a:rPr lang="en-US" dirty="0" smtClean="0"/>
-              <a:t>offer valuable insights into patient trends, diagnoses, doctor performance, and hospital resource usage, helping healthcare providers optimize operations and improve patient care.</a:t>
+              <a:t>In conclusion, these dataset offer valuable insights into patient trends, diagnoses, doctor performance, and hospital resource usage, helping healthcare providers optimize operations and improve patient care.</a:t>
             </a:r>
             <a:endParaRPr lang="en-US" dirty="0"/>
           </a:p>
@@ -4292,65 +4270,37 @@
           <a:p>
             <a:r>
               <a:rPr lang="en-US" dirty="0" smtClean="0"/>
-              <a:t>Visualize trends in patient admissions over time</a:t>
-            </a:r>
+              <a:t>Visualize trends in patient admissions over time.</a:t>
+            </a:r>
+          </a:p>
+          <a:p>
             <a:r>
               <a:rPr lang="en-US" dirty="0" smtClean="0"/>
-              <a:t>.</a:t>
+              <a:t> Analyze the most common diagnoses in the healthcare system. </a:t>
             </a:r>
           </a:p>
           <a:p>
             <a:r>
               <a:rPr lang="en-US" dirty="0" smtClean="0"/>
-              <a:t> </a:t>
-            </a:r>
+              <a:t> View detailed bed occupancy rates and breakdowns. </a:t>
+            </a:r>
+          </a:p>
+          <a:p>
             <a:r>
               <a:rPr lang="en-US" dirty="0" smtClean="0"/>
-              <a:t>Analyze the most common diagnoses in the healthcare system. </a:t>
-            </a:r>
-            <a:endParaRPr lang="en-US" dirty="0" smtClean="0"/>
+              <a:t> Track doctor performance and their average billing. </a:t>
+            </a:r>
           </a:p>
           <a:p>
             <a:r>
               <a:rPr lang="en-US" dirty="0" smtClean="0"/>
-              <a:t> </a:t>
-            </a:r>
+              <a:t> Understand the relationship between diagnoses, length of stay, and hospital bed usage. </a:t>
+            </a:r>
+          </a:p>
+          <a:p>
             <a:r>
               <a:rPr lang="en-US" dirty="0" smtClean="0"/>
-              <a:t>View detailed bed occupancy rates and breakdowns. </a:t>
-            </a:r>
-            <a:endParaRPr lang="en-US" dirty="0" smtClean="0"/>
-          </a:p>
-          <a:p>
-            <a:r>
-              <a:rPr lang="en-US" dirty="0" smtClean="0"/>
-              <a:t> </a:t>
-            </a:r>
-            <a:r>
-              <a:rPr lang="en-US" dirty="0" smtClean="0"/>
-              <a:t>Track doctor performance and their average billing. </a:t>
-            </a:r>
-            <a:endParaRPr lang="en-US" dirty="0" smtClean="0"/>
-          </a:p>
-          <a:p>
-            <a:r>
-              <a:rPr lang="en-US" dirty="0" smtClean="0"/>
-              <a:t> </a:t>
-            </a:r>
-            <a:r>
-              <a:rPr lang="en-US" dirty="0" smtClean="0"/>
-              <a:t>Understand the relationship between diagnoses, length of stay, and hospital bed usage. </a:t>
-            </a:r>
-            <a:endParaRPr lang="en-US" dirty="0" smtClean="0"/>
-          </a:p>
-          <a:p>
-            <a:r>
-              <a:rPr lang="en-US" dirty="0" smtClean="0"/>
-              <a:t> </a:t>
-            </a:r>
-            <a:r>
-              <a:rPr lang="en-US" dirty="0" smtClean="0"/>
-              <a:t>Insights into health insurance billing by diagnosis and bed occupancy.</a:t>
+              <a:t> Insights into health insurance billing by diagnosis and bed occupancy.</a:t>
             </a:r>
             <a:endParaRPr lang="en-US" dirty="0"/>
           </a:p>
@@ -4734,11 +4684,7 @@
             </a:pPr>
             <a:r>
               <a:rPr lang="en-US" dirty="0" smtClean="0"/>
-              <a:t>    Total </a:t>
-            </a:r>
-            <a:r>
-              <a:rPr lang="en-US" dirty="0" smtClean="0"/>
-              <a:t>billing and health insurance analytics help with budgeting, identifying trends in revenue generation, and managing healthcare costs.</a:t>
+              <a:t>    Total billing and health insurance analytics help with budgeting, identifying trends in revenue generation, and managing healthcare costs.</a:t>
             </a:r>
           </a:p>
           <a:p>
@@ -4757,17 +4703,8 @@
             </a:pPr>
             <a:r>
               <a:rPr lang="en-US" dirty="0" smtClean="0"/>
-              <a:t>     By </a:t>
-            </a:r>
-            <a:r>
-              <a:rPr lang="en-US" dirty="0" smtClean="0"/>
-              <a:t>analyzing seasonal admissions and diagnosis data, hospitals can forecast demand for specific services or specialties and prepare in advance</a:t>
-            </a:r>
-            <a:r>
-              <a:rPr lang="en-US" dirty="0" smtClean="0"/>
-              <a:t>.</a:t>
-            </a:r>
-            <a:endParaRPr lang="en-US" dirty="0" smtClean="0"/>
+              <a:t>     By analyzing seasonal admissions and diagnosis data, hospitals can forecast demand for specific services or specialties and prepare in advance.</a:t>
+            </a:r>
           </a:p>
         </p:txBody>
       </p:sp>
